--- a/oral bdr.pptx
+++ b/oral bdr.pptx
@@ -12,7 +12,8 @@
     <p:sldId id="263" r:id="rId6"/>
     <p:sldId id="259" r:id="rId7"/>
     <p:sldId id="260" r:id="rId8"/>
-    <p:sldId id="264" r:id="rId9"/>
+    <p:sldId id="265" r:id="rId9"/>
+    <p:sldId id="264" r:id="rId10"/>
   </p:sldIdLst>
   <p:sldSz cx="12192000" cy="6858000"/>
   <p:notesSz cx="6858000" cy="9144000"/>
@@ -270,7 +271,7 @@
           <a:p>
             <a:fld id="{B6D41BCC-AD73-4203-A5A6-E62EB28B0FE6}" type="datetimeFigureOut">
               <a:rPr lang="en-US" smtClean="0"/>
-              <a:t>2/5/25</a:t>
+              <a:t>2/5/2025</a:t>
             </a:fld>
             <a:endParaRPr lang="en-US"/>
           </a:p>
@@ -478,7 +479,7 @@
           <a:p>
             <a:fld id="{B6D41BCC-AD73-4203-A5A6-E62EB28B0FE6}" type="datetimeFigureOut">
               <a:rPr lang="en-US" smtClean="0"/>
-              <a:t>2/5/25</a:t>
+              <a:t>2/5/2025</a:t>
             </a:fld>
             <a:endParaRPr lang="en-US"/>
           </a:p>
@@ -686,7 +687,7 @@
           <a:p>
             <a:fld id="{B6D41BCC-AD73-4203-A5A6-E62EB28B0FE6}" type="datetimeFigureOut">
               <a:rPr lang="en-US" smtClean="0"/>
-              <a:t>2/5/25</a:t>
+              <a:t>2/5/2025</a:t>
             </a:fld>
             <a:endParaRPr lang="en-US"/>
           </a:p>
@@ -884,7 +885,7 @@
           <a:p>
             <a:fld id="{B6D41BCC-AD73-4203-A5A6-E62EB28B0FE6}" type="datetimeFigureOut">
               <a:rPr lang="en-US" smtClean="0"/>
-              <a:t>2/5/25</a:t>
+              <a:t>2/5/2025</a:t>
             </a:fld>
             <a:endParaRPr lang="en-US"/>
           </a:p>
@@ -1161,7 +1162,7 @@
           <a:p>
             <a:fld id="{B6D41BCC-AD73-4203-A5A6-E62EB28B0FE6}" type="datetimeFigureOut">
               <a:rPr lang="en-US" smtClean="0"/>
-              <a:t>2/5/25</a:t>
+              <a:t>2/5/2025</a:t>
             </a:fld>
             <a:endParaRPr lang="en-US"/>
           </a:p>
@@ -1431,7 +1432,7 @@
           <a:p>
             <a:fld id="{B6D41BCC-AD73-4203-A5A6-E62EB28B0FE6}" type="datetimeFigureOut">
               <a:rPr lang="en-US" smtClean="0"/>
-              <a:t>2/5/25</a:t>
+              <a:t>2/5/2025</a:t>
             </a:fld>
             <a:endParaRPr lang="en-US"/>
           </a:p>
@@ -1847,7 +1848,7 @@
           <a:p>
             <a:fld id="{B6D41BCC-AD73-4203-A5A6-E62EB28B0FE6}" type="datetimeFigureOut">
               <a:rPr lang="en-US" smtClean="0"/>
-              <a:t>2/5/25</a:t>
+              <a:t>2/5/2025</a:t>
             </a:fld>
             <a:endParaRPr lang="en-US"/>
           </a:p>
@@ -1988,7 +1989,7 @@
           <a:p>
             <a:fld id="{B6D41BCC-AD73-4203-A5A6-E62EB28B0FE6}" type="datetimeFigureOut">
               <a:rPr lang="en-US" smtClean="0"/>
-              <a:t>2/5/25</a:t>
+              <a:t>2/5/2025</a:t>
             </a:fld>
             <a:endParaRPr lang="en-US"/>
           </a:p>
@@ -2101,7 +2102,7 @@
           <a:p>
             <a:fld id="{B6D41BCC-AD73-4203-A5A6-E62EB28B0FE6}" type="datetimeFigureOut">
               <a:rPr lang="en-US" smtClean="0"/>
-              <a:t>2/5/25</a:t>
+              <a:t>2/5/2025</a:t>
             </a:fld>
             <a:endParaRPr lang="en-US"/>
           </a:p>
@@ -2427,7 +2428,7 @@
           <a:p>
             <a:fld id="{B6D41BCC-AD73-4203-A5A6-E62EB28B0FE6}" type="datetimeFigureOut">
               <a:rPr lang="en-US" smtClean="0"/>
-              <a:t>2/5/25</a:t>
+              <a:t>2/5/2025</a:t>
             </a:fld>
             <a:endParaRPr lang="en-US"/>
           </a:p>
@@ -2715,7 +2716,7 @@
           <a:p>
             <a:fld id="{B6D41BCC-AD73-4203-A5A6-E62EB28B0FE6}" type="datetimeFigureOut">
               <a:rPr lang="en-US" smtClean="0"/>
-              <a:t>2/5/25</a:t>
+              <a:t>2/5/2025</a:t>
             </a:fld>
             <a:endParaRPr lang="en-US"/>
           </a:p>
@@ -2955,7 +2956,7 @@
             <a:fld id="{B6D41BCC-AD73-4203-A5A6-E62EB28B0FE6}" type="datetimeFigureOut">
               <a:rPr lang="en-US" smtClean="0"/>
               <a:pPr/>
-              <a:t>2/5/25</a:t>
+              <a:t>2/5/2025</a:t>
             </a:fld>
             <a:endParaRPr lang="en-US"/>
           </a:p>
@@ -5783,6 +5784,294 @@
 <file path=ppt/slides/slide8.xml><?xml version="1.0" encoding="utf-8"?>
 <p:sld xmlns:a="http://schemas.openxmlformats.org/drawingml/2006/main" xmlns:r="http://schemas.openxmlformats.org/officeDocument/2006/relationships" xmlns:p="http://schemas.openxmlformats.org/presentationml/2006/main">
   <p:cSld>
+    <p:spTree>
+      <p:nvGrpSpPr>
+        <p:cNvPr id="1" name=""/>
+        <p:cNvGrpSpPr/>
+        <p:nvPr/>
+      </p:nvGrpSpPr>
+      <p:grpSpPr>
+        <a:xfrm>
+          <a:off x="0" y="0"/>
+          <a:ext cx="0" cy="0"/>
+          <a:chOff x="0" y="0"/>
+          <a:chExt cx="0" cy="0"/>
+        </a:xfrm>
+      </p:grpSpPr>
+      <p:sp>
+        <p:nvSpPr>
+          <p:cNvPr id="2" name="Titre 1">
+            <a:extLst>
+              <a:ext uri="{FF2B5EF4-FFF2-40B4-BE49-F238E27FC236}">
+                <a16:creationId xmlns:a16="http://schemas.microsoft.com/office/drawing/2014/main" id="{8AC6EF04-79A8-2CE5-CBC7-3FCD9E0DF7FC}"/>
+              </a:ext>
+            </a:extLst>
+          </p:cNvPr>
+          <p:cNvSpPr>
+            <a:spLocks noGrp="1"/>
+          </p:cNvSpPr>
+          <p:nvPr>
+            <p:ph type="title"/>
+          </p:nvPr>
+        </p:nvSpPr>
+        <p:spPr>
+          <a:xfrm>
+            <a:off x="658584" y="293915"/>
+            <a:ext cx="5023759" cy="1371600"/>
+          </a:xfrm>
+        </p:spPr>
+        <p:txBody>
+          <a:bodyPr/>
+          <a:lstStyle/>
+          <a:p>
+            <a:r>
+              <a:rPr lang="fr-FR" dirty="0"/>
+              <a:t>Requêtes SQL avancées</a:t>
+            </a:r>
+          </a:p>
+        </p:txBody>
+      </p:sp>
+      <p:sp>
+        <p:nvSpPr>
+          <p:cNvPr id="3" name="Espace réservé du contenu 2">
+            <a:extLst>
+              <a:ext uri="{FF2B5EF4-FFF2-40B4-BE49-F238E27FC236}">
+                <a16:creationId xmlns:a16="http://schemas.microsoft.com/office/drawing/2014/main" id="{4376205A-8928-9CEA-E5E7-A4CE2695A24C}"/>
+              </a:ext>
+            </a:extLst>
+          </p:cNvPr>
+          <p:cNvSpPr>
+            <a:spLocks noGrp="1"/>
+          </p:cNvSpPr>
+          <p:nvPr>
+            <p:ph idx="1"/>
+          </p:nvPr>
+        </p:nvSpPr>
+        <p:spPr>
+          <a:xfrm>
+            <a:off x="4789715" y="1583180"/>
+            <a:ext cx="7238999" cy="4844832"/>
+          </a:xfrm>
+        </p:spPr>
+        <p:txBody>
+          <a:bodyPr>
+            <a:normAutofit fontScale="70000" lnSpcReduction="20000"/>
+          </a:bodyPr>
+          <a:lstStyle/>
+          <a:p>
+            <a:pPr marL="0" indent="0" algn="ctr">
+              <a:buNone/>
+            </a:pPr>
+            <a:r>
+              <a:rPr lang="fr-FR" sz="3100" b="1" i="0" u="none" strike="noStrike" dirty="0">
+                <a:solidFill>
+                  <a:srgbClr val="000000"/>
+                </a:solidFill>
+                <a:effectLst/>
+                <a:latin typeface="Arial" panose="020B0604020202020204" pitchFamily="34" charset="0"/>
+              </a:rPr>
+              <a:t>Requête avec création d’une vue</a:t>
+            </a:r>
+          </a:p>
+          <a:p>
+            <a:pPr marL="0" indent="0" algn="ctr">
+              <a:buNone/>
+            </a:pPr>
+            <a:r>
+              <a:rPr lang="fr-FR" sz="2300" b="0" i="0" dirty="0">
+                <a:solidFill>
+                  <a:srgbClr val="000000"/>
+                </a:solidFill>
+                <a:effectLst/>
+                <a:latin typeface="Arial" panose="020B0604020202020204" pitchFamily="34" charset="0"/>
+              </a:rPr>
+              <a:t>Vue des publications avec le nombre total de commentaires et de likes</a:t>
+            </a:r>
+            <a:endParaRPr lang="fr-FR" sz="2300" b="1" dirty="0">
+              <a:solidFill>
+                <a:srgbClr val="000000"/>
+              </a:solidFill>
+              <a:latin typeface="Arial" panose="020B0604020202020204" pitchFamily="34" charset="0"/>
+            </a:endParaRPr>
+          </a:p>
+          <a:p>
+            <a:pPr algn="ctr"/>
+            <a:endParaRPr lang="fr-FR" sz="2300" b="1" i="0" u="none" strike="noStrike" dirty="0">
+              <a:solidFill>
+                <a:srgbClr val="000000"/>
+              </a:solidFill>
+              <a:effectLst/>
+              <a:latin typeface="Arial" panose="020B0604020202020204" pitchFamily="34" charset="0"/>
+            </a:endParaRPr>
+          </a:p>
+          <a:p>
+            <a:pPr marL="0" indent="0" algn="ctr">
+              <a:buNone/>
+            </a:pPr>
+            <a:r>
+              <a:rPr lang="fr-FR" sz="3100" b="1" dirty="0">
+                <a:solidFill>
+                  <a:srgbClr val="000000"/>
+                </a:solidFill>
+                <a:latin typeface="Arial" panose="020B0604020202020204" pitchFamily="34" charset="0"/>
+              </a:rPr>
+              <a:t>Requête récursive</a:t>
+            </a:r>
+          </a:p>
+          <a:p>
+            <a:pPr marL="0" indent="0" algn="ctr">
+              <a:buNone/>
+            </a:pPr>
+            <a:r>
+              <a:rPr lang="fr-FR" sz="2300" dirty="0">
+                <a:solidFill>
+                  <a:srgbClr val="000000"/>
+                </a:solidFill>
+                <a:latin typeface="Arial" panose="020B0604020202020204" pitchFamily="34" charset="0"/>
+              </a:rPr>
+              <a:t>Les tendances, affiche les publications avec le plus d’interaction dessus en prenant en compte les interactions filles </a:t>
+            </a:r>
+            <a:br>
+              <a:rPr lang="fr-FR" sz="2300" b="0" i="0" u="none" strike="noStrike" dirty="0">
+                <a:solidFill>
+                  <a:srgbClr val="000000"/>
+                </a:solidFill>
+                <a:effectLst/>
+                <a:latin typeface="Arial" panose="020B0604020202020204" pitchFamily="34" charset="0"/>
+              </a:rPr>
+            </a:br>
+            <a:endParaRPr lang="fr-FR" sz="2300" b="0" i="0" u="none" strike="noStrike" dirty="0">
+              <a:solidFill>
+                <a:srgbClr val="000000"/>
+              </a:solidFill>
+              <a:effectLst/>
+              <a:latin typeface="Arial" panose="020B0604020202020204" pitchFamily="34" charset="0"/>
+            </a:endParaRPr>
+          </a:p>
+          <a:p>
+            <a:pPr marL="0" indent="0" algn="ctr">
+              <a:buNone/>
+            </a:pPr>
+            <a:r>
+              <a:rPr lang="fr-FR" sz="3100" b="1" dirty="0">
+                <a:solidFill>
+                  <a:srgbClr val="000000"/>
+                </a:solidFill>
+                <a:latin typeface="Arial" panose="020B0604020202020204" pitchFamily="34" charset="0"/>
+              </a:rPr>
+              <a:t>Requête trigger</a:t>
+            </a:r>
+          </a:p>
+          <a:p>
+            <a:pPr marL="0" indent="0" algn="ctr">
+              <a:buNone/>
+            </a:pPr>
+            <a:r>
+              <a:rPr lang="fr-FR" sz="2300" dirty="0">
+                <a:solidFill>
+                  <a:srgbClr val="000000"/>
+                </a:solidFill>
+                <a:latin typeface="Arial" panose="020B0604020202020204" pitchFamily="34" charset="0"/>
+              </a:rPr>
+              <a:t>Un petit système de notification</a:t>
+            </a:r>
+          </a:p>
+          <a:p>
+            <a:pPr algn="ctr"/>
+            <a:endParaRPr lang="fr-FR" sz="2300" dirty="0">
+              <a:solidFill>
+                <a:srgbClr val="000000"/>
+              </a:solidFill>
+              <a:latin typeface="Arial" panose="020B0604020202020204" pitchFamily="34" charset="0"/>
+            </a:endParaRPr>
+          </a:p>
+          <a:p>
+            <a:pPr marL="0" indent="0" algn="ctr">
+              <a:buNone/>
+            </a:pPr>
+            <a:r>
+              <a:rPr lang="fr-FR" sz="3100" b="1" dirty="0">
+                <a:solidFill>
+                  <a:srgbClr val="000000"/>
+                </a:solidFill>
+                <a:latin typeface="Arial" panose="020B0604020202020204" pitchFamily="34" charset="0"/>
+              </a:rPr>
+              <a:t>Requête avec la logique conditionnelle</a:t>
+            </a:r>
+          </a:p>
+          <a:p>
+            <a:pPr marL="0" indent="0" algn="ctr">
+              <a:buNone/>
+            </a:pPr>
+            <a:r>
+              <a:rPr lang="fr-FR" sz="2300" dirty="0">
+                <a:solidFill>
+                  <a:srgbClr val="000000"/>
+                </a:solidFill>
+                <a:latin typeface="Arial" panose="020B0604020202020204" pitchFamily="34" charset="0"/>
+              </a:rPr>
+              <a:t>La gestion des rôles dans un groupe</a:t>
+            </a:r>
+          </a:p>
+          <a:p>
+            <a:endParaRPr lang="fr-FR" b="1" dirty="0">
+              <a:solidFill>
+                <a:srgbClr val="000000"/>
+              </a:solidFill>
+              <a:latin typeface="Arial" panose="020B0604020202020204" pitchFamily="34" charset="0"/>
+            </a:endParaRPr>
+          </a:p>
+          <a:p>
+            <a:endParaRPr lang="fr-FR" dirty="0"/>
+          </a:p>
+        </p:txBody>
+      </p:sp>
+      <p:pic>
+        <p:nvPicPr>
+          <p:cNvPr id="5" name="Image 4">
+            <a:extLst>
+              <a:ext uri="{FF2B5EF4-FFF2-40B4-BE49-F238E27FC236}">
+                <a16:creationId xmlns:a16="http://schemas.microsoft.com/office/drawing/2014/main" id="{E22BAB54-6E4A-C901-E65D-A851AC2468A3}"/>
+              </a:ext>
+            </a:extLst>
+          </p:cNvPr>
+          <p:cNvPicPr>
+            <a:picLocks noChangeAspect="1"/>
+          </p:cNvPicPr>
+          <p:nvPr/>
+        </p:nvPicPr>
+        <p:blipFill>
+          <a:blip r:embed="rId2"/>
+          <a:stretch>
+            <a:fillRect/>
+          </a:stretch>
+        </p:blipFill>
+        <p:spPr>
+          <a:xfrm>
+            <a:off x="424544" y="1752254"/>
+            <a:ext cx="4506685" cy="4506685"/>
+          </a:xfrm>
+          <a:prstGeom prst="rect">
+            <a:avLst/>
+          </a:prstGeom>
+        </p:spPr>
+      </p:pic>
+    </p:spTree>
+    <p:extLst>
+      <p:ext uri="{BB962C8B-B14F-4D97-AF65-F5344CB8AC3E}">
+        <p14:creationId xmlns:p14="http://schemas.microsoft.com/office/powerpoint/2010/main" val="165940583"/>
+      </p:ext>
+    </p:extLst>
+  </p:cSld>
+  <p:clrMapOvr>
+    <a:masterClrMapping/>
+  </p:clrMapOvr>
+</p:sld>
+</file>
+
+<file path=ppt/slides/slide9.xml><?xml version="1.0" encoding="utf-8"?>
+<p:sld xmlns:a="http://schemas.openxmlformats.org/drawingml/2006/main" xmlns:r="http://schemas.openxmlformats.org/officeDocument/2006/relationships" xmlns:p="http://schemas.openxmlformats.org/presentationml/2006/main">
+  <p:cSld>
     <p:bg>
       <p:bgPr>
         <a:solidFill>

--- a/oral bdr.pptx
+++ b/oral bdr.pptx
@@ -10,9 +10,9 @@
     <p:sldId id="261" r:id="rId4"/>
     <p:sldId id="262" r:id="rId5"/>
     <p:sldId id="263" r:id="rId6"/>
-    <p:sldId id="259" r:id="rId7"/>
-    <p:sldId id="260" r:id="rId8"/>
-    <p:sldId id="265" r:id="rId9"/>
+    <p:sldId id="265" r:id="rId7"/>
+    <p:sldId id="259" r:id="rId8"/>
+    <p:sldId id="260" r:id="rId9"/>
     <p:sldId id="264" r:id="rId10"/>
   </p:sldIdLst>
   <p:sldSz cx="12192000" cy="6858000"/>
@@ -4989,6 +4989,294 @@
 <file path=ppt/slides/slide6.xml><?xml version="1.0" encoding="utf-8"?>
 <p:sld xmlns:a="http://schemas.openxmlformats.org/drawingml/2006/main" xmlns:r="http://schemas.openxmlformats.org/officeDocument/2006/relationships" xmlns:p="http://schemas.openxmlformats.org/presentationml/2006/main">
   <p:cSld>
+    <p:spTree>
+      <p:nvGrpSpPr>
+        <p:cNvPr id="1" name=""/>
+        <p:cNvGrpSpPr/>
+        <p:nvPr/>
+      </p:nvGrpSpPr>
+      <p:grpSpPr>
+        <a:xfrm>
+          <a:off x="0" y="0"/>
+          <a:ext cx="0" cy="0"/>
+          <a:chOff x="0" y="0"/>
+          <a:chExt cx="0" cy="0"/>
+        </a:xfrm>
+      </p:grpSpPr>
+      <p:sp>
+        <p:nvSpPr>
+          <p:cNvPr id="2" name="Titre 1">
+            <a:extLst>
+              <a:ext uri="{FF2B5EF4-FFF2-40B4-BE49-F238E27FC236}">
+                <a16:creationId xmlns:a16="http://schemas.microsoft.com/office/drawing/2014/main" id="{8AC6EF04-79A8-2CE5-CBC7-3FCD9E0DF7FC}"/>
+              </a:ext>
+            </a:extLst>
+          </p:cNvPr>
+          <p:cNvSpPr>
+            <a:spLocks noGrp="1"/>
+          </p:cNvSpPr>
+          <p:nvPr>
+            <p:ph type="title"/>
+          </p:nvPr>
+        </p:nvSpPr>
+        <p:spPr>
+          <a:xfrm>
+            <a:off x="658584" y="293915"/>
+            <a:ext cx="5023759" cy="1371600"/>
+          </a:xfrm>
+        </p:spPr>
+        <p:txBody>
+          <a:bodyPr/>
+          <a:lstStyle/>
+          <a:p>
+            <a:r>
+              <a:rPr lang="fr-FR" dirty="0"/>
+              <a:t>Requêtes SQL avancées</a:t>
+            </a:r>
+          </a:p>
+        </p:txBody>
+      </p:sp>
+      <p:sp>
+        <p:nvSpPr>
+          <p:cNvPr id="3" name="Espace réservé du contenu 2">
+            <a:extLst>
+              <a:ext uri="{FF2B5EF4-FFF2-40B4-BE49-F238E27FC236}">
+                <a16:creationId xmlns:a16="http://schemas.microsoft.com/office/drawing/2014/main" id="{4376205A-8928-9CEA-E5E7-A4CE2695A24C}"/>
+              </a:ext>
+            </a:extLst>
+          </p:cNvPr>
+          <p:cNvSpPr>
+            <a:spLocks noGrp="1"/>
+          </p:cNvSpPr>
+          <p:nvPr>
+            <p:ph idx="1"/>
+          </p:nvPr>
+        </p:nvSpPr>
+        <p:spPr>
+          <a:xfrm>
+            <a:off x="4789715" y="1583180"/>
+            <a:ext cx="7238999" cy="4844832"/>
+          </a:xfrm>
+        </p:spPr>
+        <p:txBody>
+          <a:bodyPr>
+            <a:normAutofit fontScale="70000" lnSpcReduction="20000"/>
+          </a:bodyPr>
+          <a:lstStyle/>
+          <a:p>
+            <a:pPr marL="0" indent="0" algn="ctr">
+              <a:buNone/>
+            </a:pPr>
+            <a:r>
+              <a:rPr lang="fr-FR" sz="3100" b="1" i="0" u="none" strike="noStrike" dirty="0">
+                <a:solidFill>
+                  <a:srgbClr val="000000"/>
+                </a:solidFill>
+                <a:effectLst/>
+                <a:latin typeface="Arial" panose="020B0604020202020204" pitchFamily="34" charset="0"/>
+              </a:rPr>
+              <a:t>Requête avec création d’une vue</a:t>
+            </a:r>
+          </a:p>
+          <a:p>
+            <a:pPr marL="0" indent="0" algn="ctr">
+              <a:buNone/>
+            </a:pPr>
+            <a:r>
+              <a:rPr lang="fr-FR" sz="2300" b="0" i="0" dirty="0">
+                <a:solidFill>
+                  <a:srgbClr val="000000"/>
+                </a:solidFill>
+                <a:effectLst/>
+                <a:latin typeface="Arial" panose="020B0604020202020204" pitchFamily="34" charset="0"/>
+              </a:rPr>
+              <a:t>Vue des publications avec le nombre total de commentaires et de likes</a:t>
+            </a:r>
+            <a:endParaRPr lang="fr-FR" sz="2300" b="1" dirty="0">
+              <a:solidFill>
+                <a:srgbClr val="000000"/>
+              </a:solidFill>
+              <a:latin typeface="Arial" panose="020B0604020202020204" pitchFamily="34" charset="0"/>
+            </a:endParaRPr>
+          </a:p>
+          <a:p>
+            <a:pPr algn="ctr"/>
+            <a:endParaRPr lang="fr-FR" sz="2300" b="1" i="0" u="none" strike="noStrike" dirty="0">
+              <a:solidFill>
+                <a:srgbClr val="000000"/>
+              </a:solidFill>
+              <a:effectLst/>
+              <a:latin typeface="Arial" panose="020B0604020202020204" pitchFamily="34" charset="0"/>
+            </a:endParaRPr>
+          </a:p>
+          <a:p>
+            <a:pPr marL="0" indent="0" algn="ctr">
+              <a:buNone/>
+            </a:pPr>
+            <a:r>
+              <a:rPr lang="fr-FR" sz="3100" b="1" dirty="0">
+                <a:solidFill>
+                  <a:srgbClr val="000000"/>
+                </a:solidFill>
+                <a:latin typeface="Arial" panose="020B0604020202020204" pitchFamily="34" charset="0"/>
+              </a:rPr>
+              <a:t>Requête récursive</a:t>
+            </a:r>
+          </a:p>
+          <a:p>
+            <a:pPr marL="0" indent="0" algn="ctr">
+              <a:buNone/>
+            </a:pPr>
+            <a:r>
+              <a:rPr lang="fr-FR" sz="2300" dirty="0">
+                <a:solidFill>
+                  <a:srgbClr val="000000"/>
+                </a:solidFill>
+                <a:latin typeface="Arial" panose="020B0604020202020204" pitchFamily="34" charset="0"/>
+              </a:rPr>
+              <a:t>Les tendances, affiche les publications avec le plus d’interaction dessus en prenant en compte les interactions filles </a:t>
+            </a:r>
+            <a:br>
+              <a:rPr lang="fr-FR" sz="2300" b="0" i="0" u="none" strike="noStrike" dirty="0">
+                <a:solidFill>
+                  <a:srgbClr val="000000"/>
+                </a:solidFill>
+                <a:effectLst/>
+                <a:latin typeface="Arial" panose="020B0604020202020204" pitchFamily="34" charset="0"/>
+              </a:rPr>
+            </a:br>
+            <a:endParaRPr lang="fr-FR" sz="2300" b="0" i="0" u="none" strike="noStrike" dirty="0">
+              <a:solidFill>
+                <a:srgbClr val="000000"/>
+              </a:solidFill>
+              <a:effectLst/>
+              <a:latin typeface="Arial" panose="020B0604020202020204" pitchFamily="34" charset="0"/>
+            </a:endParaRPr>
+          </a:p>
+          <a:p>
+            <a:pPr marL="0" indent="0" algn="ctr">
+              <a:buNone/>
+            </a:pPr>
+            <a:r>
+              <a:rPr lang="fr-FR" sz="3100" b="1" dirty="0">
+                <a:solidFill>
+                  <a:srgbClr val="000000"/>
+                </a:solidFill>
+                <a:latin typeface="Arial" panose="020B0604020202020204" pitchFamily="34" charset="0"/>
+              </a:rPr>
+              <a:t>Requête trigger</a:t>
+            </a:r>
+          </a:p>
+          <a:p>
+            <a:pPr marL="0" indent="0" algn="ctr">
+              <a:buNone/>
+            </a:pPr>
+            <a:r>
+              <a:rPr lang="fr-FR" sz="2300" dirty="0">
+                <a:solidFill>
+                  <a:srgbClr val="000000"/>
+                </a:solidFill>
+                <a:latin typeface="Arial" panose="020B0604020202020204" pitchFamily="34" charset="0"/>
+              </a:rPr>
+              <a:t>Un petit système de notification</a:t>
+            </a:r>
+          </a:p>
+          <a:p>
+            <a:pPr algn="ctr"/>
+            <a:endParaRPr lang="fr-FR" sz="2300" dirty="0">
+              <a:solidFill>
+                <a:srgbClr val="000000"/>
+              </a:solidFill>
+              <a:latin typeface="Arial" panose="020B0604020202020204" pitchFamily="34" charset="0"/>
+            </a:endParaRPr>
+          </a:p>
+          <a:p>
+            <a:pPr marL="0" indent="0" algn="ctr">
+              <a:buNone/>
+            </a:pPr>
+            <a:r>
+              <a:rPr lang="fr-FR" sz="3100" b="1" dirty="0">
+                <a:solidFill>
+                  <a:srgbClr val="000000"/>
+                </a:solidFill>
+                <a:latin typeface="Arial" panose="020B0604020202020204" pitchFamily="34" charset="0"/>
+              </a:rPr>
+              <a:t>Requête avec la logique conditionnelle</a:t>
+            </a:r>
+          </a:p>
+          <a:p>
+            <a:pPr marL="0" indent="0" algn="ctr">
+              <a:buNone/>
+            </a:pPr>
+            <a:r>
+              <a:rPr lang="fr-FR" sz="2300" dirty="0">
+                <a:solidFill>
+                  <a:srgbClr val="000000"/>
+                </a:solidFill>
+                <a:latin typeface="Arial" panose="020B0604020202020204" pitchFamily="34" charset="0"/>
+              </a:rPr>
+              <a:t>La gestion des rôles dans un groupe</a:t>
+            </a:r>
+          </a:p>
+          <a:p>
+            <a:endParaRPr lang="fr-FR" b="1" dirty="0">
+              <a:solidFill>
+                <a:srgbClr val="000000"/>
+              </a:solidFill>
+              <a:latin typeface="Arial" panose="020B0604020202020204" pitchFamily="34" charset="0"/>
+            </a:endParaRPr>
+          </a:p>
+          <a:p>
+            <a:endParaRPr lang="fr-FR" dirty="0"/>
+          </a:p>
+        </p:txBody>
+      </p:sp>
+      <p:pic>
+        <p:nvPicPr>
+          <p:cNvPr id="5" name="Image 4">
+            <a:extLst>
+              <a:ext uri="{FF2B5EF4-FFF2-40B4-BE49-F238E27FC236}">
+                <a16:creationId xmlns:a16="http://schemas.microsoft.com/office/drawing/2014/main" id="{E22BAB54-6E4A-C901-E65D-A851AC2468A3}"/>
+              </a:ext>
+            </a:extLst>
+          </p:cNvPr>
+          <p:cNvPicPr>
+            <a:picLocks noChangeAspect="1"/>
+          </p:cNvPicPr>
+          <p:nvPr/>
+        </p:nvPicPr>
+        <p:blipFill>
+          <a:blip r:embed="rId2"/>
+          <a:stretch>
+            <a:fillRect/>
+          </a:stretch>
+        </p:blipFill>
+        <p:spPr>
+          <a:xfrm>
+            <a:off x="424544" y="1752254"/>
+            <a:ext cx="4506685" cy="4506685"/>
+          </a:xfrm>
+          <a:prstGeom prst="rect">
+            <a:avLst/>
+          </a:prstGeom>
+        </p:spPr>
+      </p:pic>
+    </p:spTree>
+    <p:extLst>
+      <p:ext uri="{BB962C8B-B14F-4D97-AF65-F5344CB8AC3E}">
+        <p14:creationId xmlns:p14="http://schemas.microsoft.com/office/powerpoint/2010/main" val="165940583"/>
+      </p:ext>
+    </p:extLst>
+  </p:cSld>
+  <p:clrMapOvr>
+    <a:masterClrMapping/>
+  </p:clrMapOvr>
+</p:sld>
+</file>
+
+<file path=ppt/slides/slide7.xml><?xml version="1.0" encoding="utf-8"?>
+<p:sld xmlns:a="http://schemas.openxmlformats.org/drawingml/2006/main" xmlns:r="http://schemas.openxmlformats.org/officeDocument/2006/relationships" xmlns:p="http://schemas.openxmlformats.org/presentationml/2006/main">
+  <p:cSld>
     <p:bg>
       <p:bgPr>
         <a:solidFill>
@@ -5394,7 +5682,7 @@
 </p:sld>
 </file>
 
-<file path=ppt/slides/slide7.xml><?xml version="1.0" encoding="utf-8"?>
+<file path=ppt/slides/slide8.xml><?xml version="1.0" encoding="utf-8"?>
 <p:sld xmlns:a="http://schemas.openxmlformats.org/drawingml/2006/main" xmlns:r="http://schemas.openxmlformats.org/officeDocument/2006/relationships" xmlns:p="http://schemas.openxmlformats.org/presentationml/2006/main">
   <p:cSld>
     <p:bg>
@@ -5772,294 +6060,6 @@
     <p:extLst>
       <p:ext uri="{BB962C8B-B14F-4D97-AF65-F5344CB8AC3E}">
         <p14:creationId xmlns:p14="http://schemas.microsoft.com/office/powerpoint/2010/main" val="1562973122"/>
-      </p:ext>
-    </p:extLst>
-  </p:cSld>
-  <p:clrMapOvr>
-    <a:masterClrMapping/>
-  </p:clrMapOvr>
-</p:sld>
-</file>
-
-<file path=ppt/slides/slide8.xml><?xml version="1.0" encoding="utf-8"?>
-<p:sld xmlns:a="http://schemas.openxmlformats.org/drawingml/2006/main" xmlns:r="http://schemas.openxmlformats.org/officeDocument/2006/relationships" xmlns:p="http://schemas.openxmlformats.org/presentationml/2006/main">
-  <p:cSld>
-    <p:spTree>
-      <p:nvGrpSpPr>
-        <p:cNvPr id="1" name=""/>
-        <p:cNvGrpSpPr/>
-        <p:nvPr/>
-      </p:nvGrpSpPr>
-      <p:grpSpPr>
-        <a:xfrm>
-          <a:off x="0" y="0"/>
-          <a:ext cx="0" cy="0"/>
-          <a:chOff x="0" y="0"/>
-          <a:chExt cx="0" cy="0"/>
-        </a:xfrm>
-      </p:grpSpPr>
-      <p:sp>
-        <p:nvSpPr>
-          <p:cNvPr id="2" name="Titre 1">
-            <a:extLst>
-              <a:ext uri="{FF2B5EF4-FFF2-40B4-BE49-F238E27FC236}">
-                <a16:creationId xmlns:a16="http://schemas.microsoft.com/office/drawing/2014/main" id="{8AC6EF04-79A8-2CE5-CBC7-3FCD9E0DF7FC}"/>
-              </a:ext>
-            </a:extLst>
-          </p:cNvPr>
-          <p:cNvSpPr>
-            <a:spLocks noGrp="1"/>
-          </p:cNvSpPr>
-          <p:nvPr>
-            <p:ph type="title"/>
-          </p:nvPr>
-        </p:nvSpPr>
-        <p:spPr>
-          <a:xfrm>
-            <a:off x="658584" y="293915"/>
-            <a:ext cx="5023759" cy="1371600"/>
-          </a:xfrm>
-        </p:spPr>
-        <p:txBody>
-          <a:bodyPr/>
-          <a:lstStyle/>
-          <a:p>
-            <a:r>
-              <a:rPr lang="fr-FR" dirty="0"/>
-              <a:t>Requêtes SQL avancées</a:t>
-            </a:r>
-          </a:p>
-        </p:txBody>
-      </p:sp>
-      <p:sp>
-        <p:nvSpPr>
-          <p:cNvPr id="3" name="Espace réservé du contenu 2">
-            <a:extLst>
-              <a:ext uri="{FF2B5EF4-FFF2-40B4-BE49-F238E27FC236}">
-                <a16:creationId xmlns:a16="http://schemas.microsoft.com/office/drawing/2014/main" id="{4376205A-8928-9CEA-E5E7-A4CE2695A24C}"/>
-              </a:ext>
-            </a:extLst>
-          </p:cNvPr>
-          <p:cNvSpPr>
-            <a:spLocks noGrp="1"/>
-          </p:cNvSpPr>
-          <p:nvPr>
-            <p:ph idx="1"/>
-          </p:nvPr>
-        </p:nvSpPr>
-        <p:spPr>
-          <a:xfrm>
-            <a:off x="4789715" y="1583180"/>
-            <a:ext cx="7238999" cy="4844832"/>
-          </a:xfrm>
-        </p:spPr>
-        <p:txBody>
-          <a:bodyPr>
-            <a:normAutofit fontScale="70000" lnSpcReduction="20000"/>
-          </a:bodyPr>
-          <a:lstStyle/>
-          <a:p>
-            <a:pPr marL="0" indent="0" algn="ctr">
-              <a:buNone/>
-            </a:pPr>
-            <a:r>
-              <a:rPr lang="fr-FR" sz="3100" b="1" i="0" u="none" strike="noStrike" dirty="0">
-                <a:solidFill>
-                  <a:srgbClr val="000000"/>
-                </a:solidFill>
-                <a:effectLst/>
-                <a:latin typeface="Arial" panose="020B0604020202020204" pitchFamily="34" charset="0"/>
-              </a:rPr>
-              <a:t>Requête avec création d’une vue</a:t>
-            </a:r>
-          </a:p>
-          <a:p>
-            <a:pPr marL="0" indent="0" algn="ctr">
-              <a:buNone/>
-            </a:pPr>
-            <a:r>
-              <a:rPr lang="fr-FR" sz="2300" b="0" i="0" dirty="0">
-                <a:solidFill>
-                  <a:srgbClr val="000000"/>
-                </a:solidFill>
-                <a:effectLst/>
-                <a:latin typeface="Arial" panose="020B0604020202020204" pitchFamily="34" charset="0"/>
-              </a:rPr>
-              <a:t>Vue des publications avec le nombre total de commentaires et de likes</a:t>
-            </a:r>
-            <a:endParaRPr lang="fr-FR" sz="2300" b="1" dirty="0">
-              <a:solidFill>
-                <a:srgbClr val="000000"/>
-              </a:solidFill>
-              <a:latin typeface="Arial" panose="020B0604020202020204" pitchFamily="34" charset="0"/>
-            </a:endParaRPr>
-          </a:p>
-          <a:p>
-            <a:pPr algn="ctr"/>
-            <a:endParaRPr lang="fr-FR" sz="2300" b="1" i="0" u="none" strike="noStrike" dirty="0">
-              <a:solidFill>
-                <a:srgbClr val="000000"/>
-              </a:solidFill>
-              <a:effectLst/>
-              <a:latin typeface="Arial" panose="020B0604020202020204" pitchFamily="34" charset="0"/>
-            </a:endParaRPr>
-          </a:p>
-          <a:p>
-            <a:pPr marL="0" indent="0" algn="ctr">
-              <a:buNone/>
-            </a:pPr>
-            <a:r>
-              <a:rPr lang="fr-FR" sz="3100" b="1" dirty="0">
-                <a:solidFill>
-                  <a:srgbClr val="000000"/>
-                </a:solidFill>
-                <a:latin typeface="Arial" panose="020B0604020202020204" pitchFamily="34" charset="0"/>
-              </a:rPr>
-              <a:t>Requête récursive</a:t>
-            </a:r>
-          </a:p>
-          <a:p>
-            <a:pPr marL="0" indent="0" algn="ctr">
-              <a:buNone/>
-            </a:pPr>
-            <a:r>
-              <a:rPr lang="fr-FR" sz="2300" dirty="0">
-                <a:solidFill>
-                  <a:srgbClr val="000000"/>
-                </a:solidFill>
-                <a:latin typeface="Arial" panose="020B0604020202020204" pitchFamily="34" charset="0"/>
-              </a:rPr>
-              <a:t>Les tendances, affiche les publications avec le plus d’interaction dessus en prenant en compte les interactions filles </a:t>
-            </a:r>
-            <a:br>
-              <a:rPr lang="fr-FR" sz="2300" b="0" i="0" u="none" strike="noStrike" dirty="0">
-                <a:solidFill>
-                  <a:srgbClr val="000000"/>
-                </a:solidFill>
-                <a:effectLst/>
-                <a:latin typeface="Arial" panose="020B0604020202020204" pitchFamily="34" charset="0"/>
-              </a:rPr>
-            </a:br>
-            <a:endParaRPr lang="fr-FR" sz="2300" b="0" i="0" u="none" strike="noStrike" dirty="0">
-              <a:solidFill>
-                <a:srgbClr val="000000"/>
-              </a:solidFill>
-              <a:effectLst/>
-              <a:latin typeface="Arial" panose="020B0604020202020204" pitchFamily="34" charset="0"/>
-            </a:endParaRPr>
-          </a:p>
-          <a:p>
-            <a:pPr marL="0" indent="0" algn="ctr">
-              <a:buNone/>
-            </a:pPr>
-            <a:r>
-              <a:rPr lang="fr-FR" sz="3100" b="1" dirty="0">
-                <a:solidFill>
-                  <a:srgbClr val="000000"/>
-                </a:solidFill>
-                <a:latin typeface="Arial" panose="020B0604020202020204" pitchFamily="34" charset="0"/>
-              </a:rPr>
-              <a:t>Requête trigger</a:t>
-            </a:r>
-          </a:p>
-          <a:p>
-            <a:pPr marL="0" indent="0" algn="ctr">
-              <a:buNone/>
-            </a:pPr>
-            <a:r>
-              <a:rPr lang="fr-FR" sz="2300" dirty="0">
-                <a:solidFill>
-                  <a:srgbClr val="000000"/>
-                </a:solidFill>
-                <a:latin typeface="Arial" panose="020B0604020202020204" pitchFamily="34" charset="0"/>
-              </a:rPr>
-              <a:t>Un petit système de notification</a:t>
-            </a:r>
-          </a:p>
-          <a:p>
-            <a:pPr algn="ctr"/>
-            <a:endParaRPr lang="fr-FR" sz="2300" dirty="0">
-              <a:solidFill>
-                <a:srgbClr val="000000"/>
-              </a:solidFill>
-              <a:latin typeface="Arial" panose="020B0604020202020204" pitchFamily="34" charset="0"/>
-            </a:endParaRPr>
-          </a:p>
-          <a:p>
-            <a:pPr marL="0" indent="0" algn="ctr">
-              <a:buNone/>
-            </a:pPr>
-            <a:r>
-              <a:rPr lang="fr-FR" sz="3100" b="1" dirty="0">
-                <a:solidFill>
-                  <a:srgbClr val="000000"/>
-                </a:solidFill>
-                <a:latin typeface="Arial" panose="020B0604020202020204" pitchFamily="34" charset="0"/>
-              </a:rPr>
-              <a:t>Requête avec la logique conditionnelle</a:t>
-            </a:r>
-          </a:p>
-          <a:p>
-            <a:pPr marL="0" indent="0" algn="ctr">
-              <a:buNone/>
-            </a:pPr>
-            <a:r>
-              <a:rPr lang="fr-FR" sz="2300" dirty="0">
-                <a:solidFill>
-                  <a:srgbClr val="000000"/>
-                </a:solidFill>
-                <a:latin typeface="Arial" panose="020B0604020202020204" pitchFamily="34" charset="0"/>
-              </a:rPr>
-              <a:t>La gestion des rôles dans un groupe</a:t>
-            </a:r>
-          </a:p>
-          <a:p>
-            <a:endParaRPr lang="fr-FR" b="1" dirty="0">
-              <a:solidFill>
-                <a:srgbClr val="000000"/>
-              </a:solidFill>
-              <a:latin typeface="Arial" panose="020B0604020202020204" pitchFamily="34" charset="0"/>
-            </a:endParaRPr>
-          </a:p>
-          <a:p>
-            <a:endParaRPr lang="fr-FR" dirty="0"/>
-          </a:p>
-        </p:txBody>
-      </p:sp>
-      <p:pic>
-        <p:nvPicPr>
-          <p:cNvPr id="5" name="Image 4">
-            <a:extLst>
-              <a:ext uri="{FF2B5EF4-FFF2-40B4-BE49-F238E27FC236}">
-                <a16:creationId xmlns:a16="http://schemas.microsoft.com/office/drawing/2014/main" id="{E22BAB54-6E4A-C901-E65D-A851AC2468A3}"/>
-              </a:ext>
-            </a:extLst>
-          </p:cNvPr>
-          <p:cNvPicPr>
-            <a:picLocks noChangeAspect="1"/>
-          </p:cNvPicPr>
-          <p:nvPr/>
-        </p:nvPicPr>
-        <p:blipFill>
-          <a:blip r:embed="rId2"/>
-          <a:stretch>
-            <a:fillRect/>
-          </a:stretch>
-        </p:blipFill>
-        <p:spPr>
-          <a:xfrm>
-            <a:off x="424544" y="1752254"/>
-            <a:ext cx="4506685" cy="4506685"/>
-          </a:xfrm>
-          <a:prstGeom prst="rect">
-            <a:avLst/>
-          </a:prstGeom>
-        </p:spPr>
-      </p:pic>
-    </p:spTree>
-    <p:extLst>
-      <p:ext uri="{BB962C8B-B14F-4D97-AF65-F5344CB8AC3E}">
-        <p14:creationId xmlns:p14="http://schemas.microsoft.com/office/powerpoint/2010/main" val="165940583"/>
       </p:ext>
     </p:extLst>
   </p:cSld>
